--- a/Paper_Presentation/Knowledge_Graph/BetaE/pre.pptx
+++ b/Paper_Presentation/Knowledge_Graph/BetaE/pre.pptx
@@ -21,9 +21,9 @@
     <p:sldId id="270" r:id="rId15"/>
     <p:sldId id="271" r:id="rId16"/>
     <p:sldId id="272" r:id="rId17"/>
-    <p:sldId id="273" r:id="rId18"/>
-    <p:sldId id="274" r:id="rId19"/>
-    <p:sldId id="275" r:id="rId20"/>
+    <p:sldId id="276" r:id="rId18"/>
+    <p:sldId id="273" r:id="rId19"/>
+    <p:sldId id="277" r:id="rId20"/>
   </p:sldIdLst>
   <p:sldSz cx="12192000" cy="6858000"/>
   <p:notesSz cx="6858000" cy="9144000"/>
@@ -277,7 +277,7 @@
           <a:p>
             <a:fld id="{D863902B-36A6-40A4-B326-4770B7028237}" type="datetimeFigureOut">
               <a:rPr lang="zh-CN" altLang="en-US" smtClean="0"/>
-              <a:t>2021/1/25</a:t>
+              <a:t>2021/1/26</a:t>
             </a:fld>
             <a:endParaRPr lang="zh-CN" altLang="en-US"/>
           </a:p>
@@ -475,7 +475,7 @@
           <a:p>
             <a:fld id="{D863902B-36A6-40A4-B326-4770B7028237}" type="datetimeFigureOut">
               <a:rPr lang="zh-CN" altLang="en-US" smtClean="0"/>
-              <a:t>2021/1/25</a:t>
+              <a:t>2021/1/26</a:t>
             </a:fld>
             <a:endParaRPr lang="zh-CN" altLang="en-US"/>
           </a:p>
@@ -683,7 +683,7 @@
           <a:p>
             <a:fld id="{D863902B-36A6-40A4-B326-4770B7028237}" type="datetimeFigureOut">
               <a:rPr lang="zh-CN" altLang="en-US" smtClean="0"/>
-              <a:t>2021/1/25</a:t>
+              <a:t>2021/1/26</a:t>
             </a:fld>
             <a:endParaRPr lang="zh-CN" altLang="en-US"/>
           </a:p>
@@ -881,7 +881,7 @@
           <a:p>
             <a:fld id="{D863902B-36A6-40A4-B326-4770B7028237}" type="datetimeFigureOut">
               <a:rPr lang="zh-CN" altLang="en-US" smtClean="0"/>
-              <a:t>2021/1/25</a:t>
+              <a:t>2021/1/26</a:t>
             </a:fld>
             <a:endParaRPr lang="zh-CN" altLang="en-US"/>
           </a:p>
@@ -1156,7 +1156,7 @@
           <a:p>
             <a:fld id="{D863902B-36A6-40A4-B326-4770B7028237}" type="datetimeFigureOut">
               <a:rPr lang="zh-CN" altLang="en-US" smtClean="0"/>
-              <a:t>2021/1/25</a:t>
+              <a:t>2021/1/26</a:t>
             </a:fld>
             <a:endParaRPr lang="zh-CN" altLang="en-US"/>
           </a:p>
@@ -1421,7 +1421,7 @@
           <a:p>
             <a:fld id="{D863902B-36A6-40A4-B326-4770B7028237}" type="datetimeFigureOut">
               <a:rPr lang="zh-CN" altLang="en-US" smtClean="0"/>
-              <a:t>2021/1/25</a:t>
+              <a:t>2021/1/26</a:t>
             </a:fld>
             <a:endParaRPr lang="zh-CN" altLang="en-US"/>
           </a:p>
@@ -1833,7 +1833,7 @@
           <a:p>
             <a:fld id="{D863902B-36A6-40A4-B326-4770B7028237}" type="datetimeFigureOut">
               <a:rPr lang="zh-CN" altLang="en-US" smtClean="0"/>
-              <a:t>2021/1/25</a:t>
+              <a:t>2021/1/26</a:t>
             </a:fld>
             <a:endParaRPr lang="zh-CN" altLang="en-US"/>
           </a:p>
@@ -1974,7 +1974,7 @@
           <a:p>
             <a:fld id="{D863902B-36A6-40A4-B326-4770B7028237}" type="datetimeFigureOut">
               <a:rPr lang="zh-CN" altLang="en-US" smtClean="0"/>
-              <a:t>2021/1/25</a:t>
+              <a:t>2021/1/26</a:t>
             </a:fld>
             <a:endParaRPr lang="zh-CN" altLang="en-US"/>
           </a:p>
@@ -2087,7 +2087,7 @@
           <a:p>
             <a:fld id="{D863902B-36A6-40A4-B326-4770B7028237}" type="datetimeFigureOut">
               <a:rPr lang="zh-CN" altLang="en-US" smtClean="0"/>
-              <a:t>2021/1/25</a:t>
+              <a:t>2021/1/26</a:t>
             </a:fld>
             <a:endParaRPr lang="zh-CN" altLang="en-US"/>
           </a:p>
@@ -2398,7 +2398,7 @@
           <a:p>
             <a:fld id="{D863902B-36A6-40A4-B326-4770B7028237}" type="datetimeFigureOut">
               <a:rPr lang="zh-CN" altLang="en-US" smtClean="0"/>
-              <a:t>2021/1/25</a:t>
+              <a:t>2021/1/26</a:t>
             </a:fld>
             <a:endParaRPr lang="zh-CN" altLang="en-US"/>
           </a:p>
@@ -2686,7 +2686,7 @@
           <a:p>
             <a:fld id="{D863902B-36A6-40A4-B326-4770B7028237}" type="datetimeFigureOut">
               <a:rPr lang="zh-CN" altLang="en-US" smtClean="0"/>
-              <a:t>2021/1/25</a:t>
+              <a:t>2021/1/26</a:t>
             </a:fld>
             <a:endParaRPr lang="zh-CN" altLang="en-US"/>
           </a:p>
@@ -2927,7 +2927,7 @@
           <a:p>
             <a:fld id="{D863902B-36A6-40A4-B326-4770B7028237}" type="datetimeFigureOut">
               <a:rPr lang="zh-CN" altLang="en-US" smtClean="0"/>
-              <a:t>2021/1/25</a:t>
+              <a:t>2021/1/26</a:t>
             </a:fld>
             <a:endParaRPr lang="zh-CN" altLang="en-US"/>
           </a:p>
@@ -5072,127 +5072,21 @@
       </p:grpSpPr>
       <p:sp>
         <p:nvSpPr>
-          <p:cNvPr id="2" name="标题 1">
-            <a:extLst>
-              <a:ext uri="{FF2B5EF4-FFF2-40B4-BE49-F238E27FC236}">
-                <a16:creationId xmlns:a16="http://schemas.microsoft.com/office/drawing/2014/main" id="{2E725BBA-CB9C-48A9-8125-050E010FCA54}"/>
-              </a:ext>
-            </a:extLst>
-          </p:cNvPr>
-          <p:cNvSpPr>
-            <a:spLocks noGrp="1"/>
-          </p:cNvSpPr>
-          <p:nvPr>
-            <p:ph type="title"/>
-          </p:nvPr>
-        </p:nvSpPr>
-        <p:spPr/>
-        <p:txBody>
-          <a:bodyPr/>
-          <a:lstStyle/>
-          <a:p>
-            <a:r>
-              <a:rPr lang="en-US" altLang="zh-CN" dirty="0"/>
-              <a:t>Inference</a:t>
-            </a:r>
-            <a:endParaRPr lang="zh-CN" altLang="en-US" dirty="0"/>
-          </a:p>
-        </p:txBody>
-      </p:sp>
-      <p:pic>
-        <p:nvPicPr>
-          <p:cNvPr id="7" name="图片 6">
-            <a:extLst>
-              <a:ext uri="{FF2B5EF4-FFF2-40B4-BE49-F238E27FC236}">
-                <a16:creationId xmlns:a16="http://schemas.microsoft.com/office/drawing/2014/main" id="{25B0F7C6-E18A-4931-B638-B94E830A6F7A}"/>
-              </a:ext>
-            </a:extLst>
-          </p:cNvPr>
-          <p:cNvPicPr>
-            <a:picLocks noChangeAspect="1"/>
-          </p:cNvPicPr>
+          <p:cNvPr id="8" name="标题 1">
+            <a:extLst>
+              <a:ext uri="{FF2B5EF4-FFF2-40B4-BE49-F238E27FC236}">
+                <a16:creationId xmlns:a16="http://schemas.microsoft.com/office/drawing/2014/main" id="{CF98AFAE-CE4F-3841-907B-FCD685D69E93}"/>
+              </a:ext>
+            </a:extLst>
+          </p:cNvPr>
+          <p:cNvSpPr txBox="1">
+            <a:spLocks/>
+          </p:cNvSpPr>
           <p:nvPr/>
-        </p:nvPicPr>
-        <p:blipFill>
-          <a:blip r:embed="rId2"/>
-          <a:stretch>
-            <a:fillRect/>
-          </a:stretch>
-        </p:blipFill>
+        </p:nvSpPr>
         <p:spPr>
           <a:xfrm>
-            <a:off x="838200" y="1931876"/>
-            <a:ext cx="11178699" cy="2742761"/>
-          </a:xfrm>
-          <a:prstGeom prst="rect">
-            <a:avLst/>
-          </a:prstGeom>
-        </p:spPr>
-      </p:pic>
-      <p:pic>
-        <p:nvPicPr>
-          <p:cNvPr id="1025" name="Picture 1" descr="page41image57248720">
-            <a:extLst>
-              <a:ext uri="{FF2B5EF4-FFF2-40B4-BE49-F238E27FC236}">
-                <a16:creationId xmlns:a16="http://schemas.microsoft.com/office/drawing/2014/main" id="{8D521273-69C4-B44C-9F45-E3773CB4F550}"/>
-              </a:ext>
-            </a:extLst>
-          </p:cNvPr>
-          <p:cNvPicPr>
-            <a:picLocks noChangeAspect="1" noChangeArrowheads="1"/>
-          </p:cNvPicPr>
-          <p:nvPr/>
-        </p:nvPicPr>
-        <p:blipFill>
-          <a:blip r:embed="rId3">
-            <a:extLst>
-              <a:ext uri="{28A0092B-C50C-407E-A947-70E740481C1C}">
-                <a14:useLocalDpi xmlns:a14="http://schemas.microsoft.com/office/drawing/2010/main" val="0"/>
-              </a:ext>
-            </a:extLst>
-          </a:blip>
-          <a:srcRect/>
-          <a:stretch>
-            <a:fillRect/>
-          </a:stretch>
-        </p:blipFill>
-        <p:spPr bwMode="auto">
-          <a:xfrm>
-            <a:off x="85344" y="322326"/>
-            <a:ext cx="11618976" cy="6535674"/>
-          </a:xfrm>
-          <a:prstGeom prst="rect">
-            <a:avLst/>
-          </a:prstGeom>
-          <a:noFill/>
-          <a:extLst>
-            <a:ext uri="{909E8E84-426E-40DD-AFC4-6F175D3DCCD1}">
-              <a14:hiddenFill xmlns:a14="http://schemas.microsoft.com/office/drawing/2010/main">
-                <a:solidFill>
-                  <a:srgbClr val="FFFFFF"/>
-                </a:solidFill>
-              </a14:hiddenFill>
-            </a:ext>
-          </a:extLst>
-        </p:spPr>
-      </p:pic>
-      <p:sp>
-        <p:nvSpPr>
-          <p:cNvPr id="8" name="标题 1">
-            <a:extLst>
-              <a:ext uri="{FF2B5EF4-FFF2-40B4-BE49-F238E27FC236}">
-                <a16:creationId xmlns:a16="http://schemas.microsoft.com/office/drawing/2014/main" id="{CF98AFAE-CE4F-3841-907B-FCD685D69E93}"/>
-              </a:ext>
-            </a:extLst>
-          </p:cNvPr>
-          <p:cNvSpPr txBox="1">
-            <a:spLocks/>
-          </p:cNvSpPr>
-          <p:nvPr/>
-        </p:nvSpPr>
-        <p:spPr>
-          <a:xfrm>
-            <a:off x="637032" y="407924"/>
+            <a:off x="384114" y="119960"/>
             <a:ext cx="10515600" cy="1325563"/>
           </a:xfrm>
           <a:prstGeom prst="rect">
@@ -5231,6 +5125,36 @@
           </a:p>
         </p:txBody>
       </p:sp>
+      <p:pic>
+        <p:nvPicPr>
+          <p:cNvPr id="5" name="图片 4">
+            <a:extLst>
+              <a:ext uri="{FF2B5EF4-FFF2-40B4-BE49-F238E27FC236}">
+                <a16:creationId xmlns:a16="http://schemas.microsoft.com/office/drawing/2014/main" id="{9028F005-E389-AB40-A06A-B8CEA53A93C1}"/>
+              </a:ext>
+            </a:extLst>
+          </p:cNvPr>
+          <p:cNvPicPr>
+            <a:picLocks noChangeAspect="1"/>
+          </p:cNvPicPr>
+          <p:nvPr/>
+        </p:nvPicPr>
+        <p:blipFill>
+          <a:blip r:embed="rId2"/>
+          <a:stretch>
+            <a:fillRect/>
+          </a:stretch>
+        </p:blipFill>
+        <p:spPr>
+          <a:xfrm>
+            <a:off x="1055989" y="1852783"/>
+            <a:ext cx="10434167" cy="3837898"/>
+          </a:xfrm>
+          <a:prstGeom prst="rect">
+            <a:avLst/>
+          </a:prstGeom>
+        </p:spPr>
+      </p:pic>
     </p:spTree>
     <p:extLst>
       <p:ext uri="{BB962C8B-B14F-4D97-AF65-F5344CB8AC3E}">
@@ -5277,7 +5201,7 @@
         </p:nvSpPr>
         <p:spPr>
           <a:xfrm>
-            <a:off x="637032" y="407924"/>
+            <a:off x="384114" y="119960"/>
             <a:ext cx="10515600" cy="1325563"/>
           </a:xfrm>
           <a:prstGeom prst="rect">
@@ -5310,7 +5234,7 @@
           <a:p>
             <a:r>
               <a:rPr lang="en-US" altLang="zh-CN" dirty="0"/>
-              <a:t>Experiments</a:t>
+              <a:t>Experiments-EPFO</a:t>
             </a:r>
             <a:endParaRPr lang="zh-CN" altLang="en-US" dirty="0"/>
           </a:p>
@@ -5318,102 +5242,68 @@
       </p:sp>
       <p:pic>
         <p:nvPicPr>
-          <p:cNvPr id="2049" name="Picture 1" descr="page42image56045040">
-            <a:extLst>
-              <a:ext uri="{FF2B5EF4-FFF2-40B4-BE49-F238E27FC236}">
-                <a16:creationId xmlns:a16="http://schemas.microsoft.com/office/drawing/2014/main" id="{2080CCD6-F8A2-404F-BD97-CABC70FC12AD}"/>
+          <p:cNvPr id="2" name="图片 1">
+            <a:extLst>
+              <a:ext uri="{FF2B5EF4-FFF2-40B4-BE49-F238E27FC236}">
+                <a16:creationId xmlns:a16="http://schemas.microsoft.com/office/drawing/2014/main" id="{D1711A3E-4101-7440-B8C3-BE45C57083BD}"/>
               </a:ext>
             </a:extLst>
           </p:cNvPr>
           <p:cNvPicPr>
-            <a:picLocks noChangeAspect="1" noChangeArrowheads="1"/>
+            <a:picLocks noChangeAspect="1"/>
           </p:cNvPicPr>
           <p:nvPr/>
         </p:nvPicPr>
         <p:blipFill>
-          <a:blip r:embed="rId2">
-            <a:extLst>
-              <a:ext uri="{28A0092B-C50C-407E-A947-70E740481C1C}">
-                <a14:useLocalDpi xmlns:a14="http://schemas.microsoft.com/office/drawing/2010/main" val="0"/>
-              </a:ext>
-            </a:extLst>
-          </a:blip>
-          <a:srcRect/>
+          <a:blip r:embed="rId2"/>
           <a:stretch>
             <a:fillRect/>
           </a:stretch>
         </p:blipFill>
-        <p:spPr bwMode="auto">
+        <p:spPr>
           <a:xfrm>
-            <a:off x="1501394" y="4430776"/>
-            <a:ext cx="9436100" cy="2019300"/>
+            <a:off x="1292286" y="1145027"/>
+            <a:ext cx="9740900" cy="2933700"/>
           </a:xfrm>
           <a:prstGeom prst="rect">
             <a:avLst/>
           </a:prstGeom>
-          <a:noFill/>
-          <a:extLst>
-            <a:ext uri="{909E8E84-426E-40DD-AFC4-6F175D3DCCD1}">
-              <a14:hiddenFill xmlns:a14="http://schemas.microsoft.com/office/drawing/2010/main">
-                <a:solidFill>
-                  <a:srgbClr val="FFFFFF"/>
-                </a:solidFill>
-              </a14:hiddenFill>
-            </a:ext>
-          </a:extLst>
         </p:spPr>
       </p:pic>
       <p:pic>
         <p:nvPicPr>
-          <p:cNvPr id="2050" name="Picture 2" descr="page42image56047504">
-            <a:extLst>
-              <a:ext uri="{FF2B5EF4-FFF2-40B4-BE49-F238E27FC236}">
-                <a16:creationId xmlns:a16="http://schemas.microsoft.com/office/drawing/2014/main" id="{F7BAE7D3-44E7-5D4A-9101-A64C7B7E933E}"/>
+          <p:cNvPr id="3" name="图片 2">
+            <a:extLst>
+              <a:ext uri="{FF2B5EF4-FFF2-40B4-BE49-F238E27FC236}">
+                <a16:creationId xmlns:a16="http://schemas.microsoft.com/office/drawing/2014/main" id="{954BED6A-525C-5C4A-ABFA-DED49BCB6B14}"/>
               </a:ext>
             </a:extLst>
           </p:cNvPr>
           <p:cNvPicPr>
-            <a:picLocks noChangeAspect="1" noChangeArrowheads="1"/>
+            <a:picLocks noChangeAspect="1"/>
           </p:cNvPicPr>
           <p:nvPr/>
         </p:nvPicPr>
         <p:blipFill>
-          <a:blip r:embed="rId3">
-            <a:extLst>
-              <a:ext uri="{28A0092B-C50C-407E-A947-70E740481C1C}">
-                <a14:useLocalDpi xmlns:a14="http://schemas.microsoft.com/office/drawing/2010/main" val="0"/>
-              </a:ext>
-            </a:extLst>
-          </a:blip>
-          <a:srcRect/>
+          <a:blip r:embed="rId3"/>
           <a:stretch>
             <a:fillRect/>
           </a:stretch>
         </p:blipFill>
-        <p:spPr bwMode="auto">
+        <p:spPr>
           <a:xfrm>
-            <a:off x="1485900" y="2110581"/>
-            <a:ext cx="9220200" cy="1943100"/>
+            <a:off x="1292286" y="3933782"/>
+            <a:ext cx="9816701" cy="2804258"/>
           </a:xfrm>
           <a:prstGeom prst="rect">
             <a:avLst/>
           </a:prstGeom>
-          <a:noFill/>
-          <a:extLst>
-            <a:ext uri="{909E8E84-426E-40DD-AFC4-6F175D3DCCD1}">
-              <a14:hiddenFill xmlns:a14="http://schemas.microsoft.com/office/drawing/2010/main">
-                <a:solidFill>
-                  <a:srgbClr val="FFFFFF"/>
-                </a:solidFill>
-              </a14:hiddenFill>
-            </a:ext>
-          </a:extLst>
         </p:spPr>
       </p:pic>
     </p:spTree>
     <p:extLst>
       <p:ext uri="{BB962C8B-B14F-4D97-AF65-F5344CB8AC3E}">
-        <p14:creationId xmlns:p14="http://schemas.microsoft.com/office/powerpoint/2010/main" val="566194917"/>
+        <p14:creationId xmlns:p14="http://schemas.microsoft.com/office/powerpoint/2010/main" val="1644394005"/>
       </p:ext>
     </p:extLst>
   </p:cSld>
@@ -5442,112 +5332,6 @@
       </p:grpSpPr>
       <p:sp>
         <p:nvSpPr>
-          <p:cNvPr id="2" name="标题 1">
-            <a:extLst>
-              <a:ext uri="{FF2B5EF4-FFF2-40B4-BE49-F238E27FC236}">
-                <a16:creationId xmlns:a16="http://schemas.microsoft.com/office/drawing/2014/main" id="{2E725BBA-CB9C-48A9-8125-050E010FCA54}"/>
-              </a:ext>
-            </a:extLst>
-          </p:cNvPr>
-          <p:cNvSpPr>
-            <a:spLocks noGrp="1"/>
-          </p:cNvSpPr>
-          <p:nvPr>
-            <p:ph type="title"/>
-          </p:nvPr>
-        </p:nvSpPr>
-        <p:spPr/>
-        <p:txBody>
-          <a:bodyPr/>
-          <a:lstStyle/>
-          <a:p>
-            <a:r>
-              <a:rPr lang="en-US" altLang="zh-CN" dirty="0"/>
-              <a:t>Inference</a:t>
-            </a:r>
-            <a:endParaRPr lang="zh-CN" altLang="en-US" dirty="0"/>
-          </a:p>
-        </p:txBody>
-      </p:sp>
-      <p:pic>
-        <p:nvPicPr>
-          <p:cNvPr id="7" name="图片 6">
-            <a:extLst>
-              <a:ext uri="{FF2B5EF4-FFF2-40B4-BE49-F238E27FC236}">
-                <a16:creationId xmlns:a16="http://schemas.microsoft.com/office/drawing/2014/main" id="{25B0F7C6-E18A-4931-B638-B94E830A6F7A}"/>
-              </a:ext>
-            </a:extLst>
-          </p:cNvPr>
-          <p:cNvPicPr>
-            <a:picLocks noChangeAspect="1"/>
-          </p:cNvPicPr>
-          <p:nvPr/>
-        </p:nvPicPr>
-        <p:blipFill>
-          <a:blip r:embed="rId3"/>
-          <a:stretch>
-            <a:fillRect/>
-          </a:stretch>
-        </p:blipFill>
-        <p:spPr>
-          <a:xfrm>
-            <a:off x="838200" y="1931876"/>
-            <a:ext cx="11178699" cy="2742761"/>
-          </a:xfrm>
-          <a:prstGeom prst="rect">
-            <a:avLst/>
-          </a:prstGeom>
-        </p:spPr>
-      </p:pic>
-      <p:pic>
-        <p:nvPicPr>
-          <p:cNvPr id="1025" name="Picture 1" descr="page41image57248720">
-            <a:extLst>
-              <a:ext uri="{FF2B5EF4-FFF2-40B4-BE49-F238E27FC236}">
-                <a16:creationId xmlns:a16="http://schemas.microsoft.com/office/drawing/2014/main" id="{8D521273-69C4-B44C-9F45-E3773CB4F550}"/>
-              </a:ext>
-            </a:extLst>
-          </p:cNvPr>
-          <p:cNvPicPr>
-            <a:picLocks noChangeAspect="1" noChangeArrowheads="1"/>
-          </p:cNvPicPr>
-          <p:nvPr/>
-        </p:nvPicPr>
-        <p:blipFill>
-          <a:blip r:embed="rId4">
-            <a:extLst>
-              <a:ext uri="{28A0092B-C50C-407E-A947-70E740481C1C}">
-                <a14:useLocalDpi xmlns:a14="http://schemas.microsoft.com/office/drawing/2010/main" val="0"/>
-              </a:ext>
-            </a:extLst>
-          </a:blip>
-          <a:srcRect/>
-          <a:stretch>
-            <a:fillRect/>
-          </a:stretch>
-        </p:blipFill>
-        <p:spPr bwMode="auto">
-          <a:xfrm>
-            <a:off x="85344" y="322326"/>
-            <a:ext cx="11618976" cy="6535674"/>
-          </a:xfrm>
-          <a:prstGeom prst="rect">
-            <a:avLst/>
-          </a:prstGeom>
-          <a:noFill/>
-          <a:extLst>
-            <a:ext uri="{909E8E84-426E-40DD-AFC4-6F175D3DCCD1}">
-              <a14:hiddenFill xmlns:a14="http://schemas.microsoft.com/office/drawing/2010/main">
-                <a:solidFill>
-                  <a:srgbClr val="FFFFFF"/>
-                </a:solidFill>
-              </a14:hiddenFill>
-            </a:ext>
-          </a:extLst>
-        </p:spPr>
-      </p:pic>
-      <p:sp>
-        <p:nvSpPr>
           <p:cNvPr id="8" name="标题 1">
             <a:extLst>
               <a:ext uri="{FF2B5EF4-FFF2-40B4-BE49-F238E27FC236}">
@@ -5595,7 +5379,15 @@
           <a:p>
             <a:r>
               <a:rPr lang="en-US" altLang="zh-CN" dirty="0"/>
-              <a:t>Experiments</a:t>
+              <a:t>Experiments-Uncertainty</a:t>
+            </a:r>
+            <a:r>
+              <a:rPr lang="zh-CN" altLang="en-US" dirty="0"/>
+              <a:t> </a:t>
+            </a:r>
+            <a:r>
+              <a:rPr lang="en-US" altLang="zh-CN" dirty="0"/>
+              <a:t>Modeling</a:t>
             </a:r>
             <a:endParaRPr lang="zh-CN" altLang="en-US" dirty="0"/>
           </a:p>
@@ -5603,10 +5395,10 @@
       </p:sp>
       <p:pic>
         <p:nvPicPr>
-          <p:cNvPr id="3" name="图片 2">
-            <a:extLst>
-              <a:ext uri="{FF2B5EF4-FFF2-40B4-BE49-F238E27FC236}">
-                <a16:creationId xmlns:a16="http://schemas.microsoft.com/office/drawing/2014/main" id="{6A815F00-AFE9-734F-8010-294AC4205349}"/>
+          <p:cNvPr id="4" name="图片 3">
+            <a:extLst>
+              <a:ext uri="{FF2B5EF4-FFF2-40B4-BE49-F238E27FC236}">
+                <a16:creationId xmlns:a16="http://schemas.microsoft.com/office/drawing/2014/main" id="{083FFB01-D38E-594D-A898-036D1B4D893F}"/>
               </a:ext>
             </a:extLst>
           </p:cNvPr>
@@ -5616,15 +5408,45 @@
           <p:nvPr/>
         </p:nvPicPr>
         <p:blipFill>
-          <a:blip r:embed="rId5"/>
+          <a:blip r:embed="rId2"/>
           <a:stretch>
             <a:fillRect/>
           </a:stretch>
         </p:blipFill>
         <p:spPr>
           <a:xfrm>
-            <a:off x="0" y="1635444"/>
-            <a:ext cx="12192000" cy="5298756"/>
+            <a:off x="1219200" y="1920081"/>
+            <a:ext cx="9753600" cy="2133600"/>
+          </a:xfrm>
+          <a:prstGeom prst="rect">
+            <a:avLst/>
+          </a:prstGeom>
+        </p:spPr>
+      </p:pic>
+      <p:pic>
+        <p:nvPicPr>
+          <p:cNvPr id="5" name="图片 4">
+            <a:extLst>
+              <a:ext uri="{FF2B5EF4-FFF2-40B4-BE49-F238E27FC236}">
+                <a16:creationId xmlns:a16="http://schemas.microsoft.com/office/drawing/2014/main" id="{10DD8DF3-9D5E-914D-B5A8-14F4535DA735}"/>
+              </a:ext>
+            </a:extLst>
+          </p:cNvPr>
+          <p:cNvPicPr>
+            <a:picLocks noChangeAspect="1"/>
+          </p:cNvPicPr>
+          <p:nvPr/>
+        </p:nvPicPr>
+        <p:blipFill>
+          <a:blip r:embed="rId3"/>
+          <a:stretch>
+            <a:fillRect/>
+          </a:stretch>
+        </p:blipFill>
+        <p:spPr>
+          <a:xfrm>
+            <a:off x="1219200" y="4314353"/>
+            <a:ext cx="9690100" cy="2451100"/>
           </a:xfrm>
           <a:prstGeom prst="rect">
             <a:avLst/>
@@ -5634,7 +5456,7 @@
     </p:spTree>
     <p:extLst>
       <p:ext uri="{BB962C8B-B14F-4D97-AF65-F5344CB8AC3E}">
-        <p14:creationId xmlns:p14="http://schemas.microsoft.com/office/powerpoint/2010/main" val="3569376726"/>
+        <p14:creationId xmlns:p14="http://schemas.microsoft.com/office/powerpoint/2010/main" val="566194917"/>
       </p:ext>
     </p:extLst>
   </p:cSld>
@@ -5663,112 +5485,6 @@
       </p:grpSpPr>
       <p:sp>
         <p:nvSpPr>
-          <p:cNvPr id="2" name="标题 1">
-            <a:extLst>
-              <a:ext uri="{FF2B5EF4-FFF2-40B4-BE49-F238E27FC236}">
-                <a16:creationId xmlns:a16="http://schemas.microsoft.com/office/drawing/2014/main" id="{2E725BBA-CB9C-48A9-8125-050E010FCA54}"/>
-              </a:ext>
-            </a:extLst>
-          </p:cNvPr>
-          <p:cNvSpPr>
-            <a:spLocks noGrp="1"/>
-          </p:cNvSpPr>
-          <p:nvPr>
-            <p:ph type="title"/>
-          </p:nvPr>
-        </p:nvSpPr>
-        <p:spPr/>
-        <p:txBody>
-          <a:bodyPr/>
-          <a:lstStyle/>
-          <a:p>
-            <a:r>
-              <a:rPr lang="en-US" altLang="zh-CN" dirty="0"/>
-              <a:t>Inference</a:t>
-            </a:r>
-            <a:endParaRPr lang="zh-CN" altLang="en-US" dirty="0"/>
-          </a:p>
-        </p:txBody>
-      </p:sp>
-      <p:pic>
-        <p:nvPicPr>
-          <p:cNvPr id="7" name="图片 6">
-            <a:extLst>
-              <a:ext uri="{FF2B5EF4-FFF2-40B4-BE49-F238E27FC236}">
-                <a16:creationId xmlns:a16="http://schemas.microsoft.com/office/drawing/2014/main" id="{25B0F7C6-E18A-4931-B638-B94E830A6F7A}"/>
-              </a:ext>
-            </a:extLst>
-          </p:cNvPr>
-          <p:cNvPicPr>
-            <a:picLocks noChangeAspect="1"/>
-          </p:cNvPicPr>
-          <p:nvPr/>
-        </p:nvPicPr>
-        <p:blipFill>
-          <a:blip r:embed="rId2"/>
-          <a:stretch>
-            <a:fillRect/>
-          </a:stretch>
-        </p:blipFill>
-        <p:spPr>
-          <a:xfrm>
-            <a:off x="838200" y="1931876"/>
-            <a:ext cx="11178699" cy="2742761"/>
-          </a:xfrm>
-          <a:prstGeom prst="rect">
-            <a:avLst/>
-          </a:prstGeom>
-        </p:spPr>
-      </p:pic>
-      <p:pic>
-        <p:nvPicPr>
-          <p:cNvPr id="1025" name="Picture 1" descr="page41image57248720">
-            <a:extLst>
-              <a:ext uri="{FF2B5EF4-FFF2-40B4-BE49-F238E27FC236}">
-                <a16:creationId xmlns:a16="http://schemas.microsoft.com/office/drawing/2014/main" id="{8D521273-69C4-B44C-9F45-E3773CB4F550}"/>
-              </a:ext>
-            </a:extLst>
-          </p:cNvPr>
-          <p:cNvPicPr>
-            <a:picLocks noChangeAspect="1" noChangeArrowheads="1"/>
-          </p:cNvPicPr>
-          <p:nvPr/>
-        </p:nvPicPr>
-        <p:blipFill>
-          <a:blip r:embed="rId3">
-            <a:extLst>
-              <a:ext uri="{28A0092B-C50C-407E-A947-70E740481C1C}">
-                <a14:useLocalDpi xmlns:a14="http://schemas.microsoft.com/office/drawing/2010/main" val="0"/>
-              </a:ext>
-            </a:extLst>
-          </a:blip>
-          <a:srcRect/>
-          <a:stretch>
-            <a:fillRect/>
-          </a:stretch>
-        </p:blipFill>
-        <p:spPr bwMode="auto">
-          <a:xfrm>
-            <a:off x="85344" y="322326"/>
-            <a:ext cx="11618976" cy="6535674"/>
-          </a:xfrm>
-          <a:prstGeom prst="rect">
-            <a:avLst/>
-          </a:prstGeom>
-          <a:noFill/>
-          <a:extLst>
-            <a:ext uri="{909E8E84-426E-40DD-AFC4-6F175D3DCCD1}">
-              <a14:hiddenFill xmlns:a14="http://schemas.microsoft.com/office/drawing/2010/main">
-                <a:solidFill>
-                  <a:srgbClr val="FFFFFF"/>
-                </a:solidFill>
-              </a14:hiddenFill>
-            </a:ext>
-          </a:extLst>
-        </p:spPr>
-      </p:pic>
-      <p:sp>
-        <p:nvSpPr>
           <p:cNvPr id="8" name="标题 1">
             <a:extLst>
               <a:ext uri="{FF2B5EF4-FFF2-40B4-BE49-F238E27FC236}">
@@ -5816,7 +5532,7 @@
           <a:p>
             <a:r>
               <a:rPr lang="en-US" altLang="zh-CN" dirty="0"/>
-              <a:t>Ablation</a:t>
+              <a:t>Experiments-</a:t>
             </a:r>
             <a:r>
               <a:rPr lang="zh-CN" altLang="en-US" dirty="0"/>
@@ -5824,7 +5540,27 @@
             </a:r>
             <a:r>
               <a:rPr lang="en-US" altLang="zh-CN" dirty="0"/>
-              <a:t>Study</a:t>
+              <a:t>Queries</a:t>
+            </a:r>
+            <a:r>
+              <a:rPr lang="zh-CN" altLang="en-US" dirty="0"/>
+              <a:t> </a:t>
+            </a:r>
+            <a:r>
+              <a:rPr lang="en-US" altLang="zh-CN" dirty="0"/>
+              <a:t>Without</a:t>
+            </a:r>
+            <a:r>
+              <a:rPr lang="zh-CN" altLang="en-US" dirty="0"/>
+              <a:t> </a:t>
+            </a:r>
+            <a:r>
+              <a:rPr lang="en-US" altLang="zh-CN" dirty="0"/>
+              <a:t>A</a:t>
+            </a:r>
+            <a:r>
+              <a:rPr lang="en-US" altLang="zh-CN"/>
+              <a:t>nswers</a:t>
             </a:r>
             <a:endParaRPr lang="zh-CN" altLang="en-US" dirty="0"/>
           </a:p>
@@ -5832,10 +5568,10 @@
       </p:sp>
       <p:pic>
         <p:nvPicPr>
-          <p:cNvPr id="4" name="图片 3">
-            <a:extLst>
-              <a:ext uri="{FF2B5EF4-FFF2-40B4-BE49-F238E27FC236}">
-                <a16:creationId xmlns:a16="http://schemas.microsoft.com/office/drawing/2014/main" id="{F5C5E11D-3A09-8040-B650-3F504C9A0518}"/>
+          <p:cNvPr id="2" name="图片 1">
+            <a:extLst>
+              <a:ext uri="{FF2B5EF4-FFF2-40B4-BE49-F238E27FC236}">
+                <a16:creationId xmlns:a16="http://schemas.microsoft.com/office/drawing/2014/main" id="{C92A1C2F-F4AB-A146-8506-B583D7AE134F}"/>
               </a:ext>
             </a:extLst>
           </p:cNvPr>
@@ -5845,15 +5581,15 @@
           <p:nvPr/>
         </p:nvPicPr>
         <p:blipFill>
-          <a:blip r:embed="rId4"/>
+          <a:blip r:embed="rId2"/>
           <a:stretch>
             <a:fillRect/>
           </a:stretch>
         </p:blipFill>
         <p:spPr>
           <a:xfrm>
-            <a:off x="344424" y="1306409"/>
-            <a:ext cx="11009376" cy="5551591"/>
+            <a:off x="1435100" y="2962072"/>
+            <a:ext cx="9321800" cy="1333500"/>
           </a:xfrm>
           <a:prstGeom prst="rect">
             <a:avLst/>
@@ -5863,7 +5599,7 @@
     </p:spTree>
     <p:extLst>
       <p:ext uri="{BB962C8B-B14F-4D97-AF65-F5344CB8AC3E}">
-        <p14:creationId xmlns:p14="http://schemas.microsoft.com/office/powerpoint/2010/main" val="3793686298"/>
+        <p14:creationId xmlns:p14="http://schemas.microsoft.com/office/powerpoint/2010/main" val="3817529170"/>
       </p:ext>
     </p:extLst>
   </p:cSld>

--- a/Paper_Presentation/Knowledge_Graph/BetaE/pre.pptx
+++ b/Paper_Presentation/Knowledge_Graph/BetaE/pre.pptx
@@ -22,8 +22,9 @@
     <p:sldId id="271" r:id="rId16"/>
     <p:sldId id="272" r:id="rId17"/>
     <p:sldId id="276" r:id="rId18"/>
-    <p:sldId id="273" r:id="rId19"/>
-    <p:sldId id="277" r:id="rId20"/>
+    <p:sldId id="278" r:id="rId19"/>
+    <p:sldId id="273" r:id="rId20"/>
+    <p:sldId id="277" r:id="rId21"/>
   </p:sldIdLst>
   <p:sldSz cx="12192000" cy="6858000"/>
   <p:notesSz cx="6858000" cy="9144000"/>
@@ -5346,6 +5347,151 @@
         </p:nvSpPr>
         <p:spPr>
           <a:xfrm>
+            <a:off x="384114" y="119960"/>
+            <a:ext cx="10515600" cy="1325563"/>
+          </a:xfrm>
+          <a:prstGeom prst="rect">
+            <a:avLst/>
+          </a:prstGeom>
+        </p:spPr>
+        <p:txBody>
+          <a:bodyPr vert="horz" lIns="91440" tIns="45720" rIns="91440" bIns="45720" rtlCol="0" anchor="ctr">
+            <a:normAutofit/>
+          </a:bodyPr>
+          <a:lstStyle>
+            <a:lvl1pPr algn="l" defTabSz="914400" rtl="0" eaLnBrk="1" latinLnBrk="0" hangingPunct="1">
+              <a:lnSpc>
+                <a:spcPct val="90000"/>
+              </a:lnSpc>
+              <a:spcBef>
+                <a:spcPct val="0"/>
+              </a:spcBef>
+              <a:buNone/>
+              <a:defRPr sz="4400" kern="1200">
+                <a:solidFill>
+                  <a:schemeClr val="tx1"/>
+                </a:solidFill>
+                <a:latin typeface="+mj-lt"/>
+                <a:ea typeface="+mj-ea"/>
+                <a:cs typeface="+mj-cs"/>
+              </a:defRPr>
+            </a:lvl1pPr>
+          </a:lstStyle>
+          <a:p>
+            <a:r>
+              <a:rPr lang="en-US" altLang="zh-CN" dirty="0"/>
+              <a:t>Experiments-Negation</a:t>
+            </a:r>
+            <a:endParaRPr lang="zh-CN" altLang="en-US" dirty="0"/>
+          </a:p>
+        </p:txBody>
+      </p:sp>
+      <p:pic>
+        <p:nvPicPr>
+          <p:cNvPr id="4" name="图片 3">
+            <a:extLst>
+              <a:ext uri="{FF2B5EF4-FFF2-40B4-BE49-F238E27FC236}">
+                <a16:creationId xmlns:a16="http://schemas.microsoft.com/office/drawing/2014/main" id="{4759EBF9-C1C9-CC40-B0B3-2CE470C42F0C}"/>
+              </a:ext>
+            </a:extLst>
+          </p:cNvPr>
+          <p:cNvPicPr>
+            <a:picLocks noChangeAspect="1"/>
+          </p:cNvPicPr>
+          <p:nvPr/>
+        </p:nvPicPr>
+        <p:blipFill>
+          <a:blip r:embed="rId2"/>
+          <a:stretch>
+            <a:fillRect/>
+          </a:stretch>
+        </p:blipFill>
+        <p:spPr>
+          <a:xfrm>
+            <a:off x="1682480" y="1547644"/>
+            <a:ext cx="8496300" cy="2070100"/>
+          </a:xfrm>
+          <a:prstGeom prst="rect">
+            <a:avLst/>
+          </a:prstGeom>
+        </p:spPr>
+      </p:pic>
+      <p:pic>
+        <p:nvPicPr>
+          <p:cNvPr id="5" name="图片 4">
+            <a:extLst>
+              <a:ext uri="{FF2B5EF4-FFF2-40B4-BE49-F238E27FC236}">
+                <a16:creationId xmlns:a16="http://schemas.microsoft.com/office/drawing/2014/main" id="{269B1C60-1753-7A4C-ABE8-73323987B1EF}"/>
+              </a:ext>
+            </a:extLst>
+          </p:cNvPr>
+          <p:cNvPicPr>
+            <a:picLocks noChangeAspect="1"/>
+          </p:cNvPicPr>
+          <p:nvPr/>
+        </p:nvPicPr>
+        <p:blipFill>
+          <a:blip r:embed="rId3"/>
+          <a:stretch>
+            <a:fillRect/>
+          </a:stretch>
+        </p:blipFill>
+        <p:spPr>
+          <a:xfrm>
+            <a:off x="1454150" y="4294356"/>
+            <a:ext cx="9283700" cy="2032000"/>
+          </a:xfrm>
+          <a:prstGeom prst="rect">
+            <a:avLst/>
+          </a:prstGeom>
+        </p:spPr>
+      </p:pic>
+    </p:spTree>
+    <p:extLst>
+      <p:ext uri="{BB962C8B-B14F-4D97-AF65-F5344CB8AC3E}">
+        <p14:creationId xmlns:p14="http://schemas.microsoft.com/office/powerpoint/2010/main" val="2159080080"/>
+      </p:ext>
+    </p:extLst>
+  </p:cSld>
+  <p:clrMapOvr>
+    <a:masterClrMapping/>
+  </p:clrMapOvr>
+</p:sld>
+</file>
+
+<file path=ppt/slides/slide19.xml><?xml version="1.0" encoding="utf-8"?>
+<p:sld xmlns:a="http://schemas.openxmlformats.org/drawingml/2006/main" xmlns:r="http://schemas.openxmlformats.org/officeDocument/2006/relationships" xmlns:p="http://schemas.openxmlformats.org/presentationml/2006/main">
+  <p:cSld>
+    <p:spTree>
+      <p:nvGrpSpPr>
+        <p:cNvPr id="1" name=""/>
+        <p:cNvGrpSpPr/>
+        <p:nvPr/>
+      </p:nvGrpSpPr>
+      <p:grpSpPr>
+        <a:xfrm>
+          <a:off x="0" y="0"/>
+          <a:ext cx="0" cy="0"/>
+          <a:chOff x="0" y="0"/>
+          <a:chExt cx="0" cy="0"/>
+        </a:xfrm>
+      </p:grpSpPr>
+      <p:sp>
+        <p:nvSpPr>
+          <p:cNvPr id="8" name="标题 1">
+            <a:extLst>
+              <a:ext uri="{FF2B5EF4-FFF2-40B4-BE49-F238E27FC236}">
+                <a16:creationId xmlns:a16="http://schemas.microsoft.com/office/drawing/2014/main" id="{CF98AFAE-CE4F-3841-907B-FCD685D69E93}"/>
+              </a:ext>
+            </a:extLst>
+          </p:cNvPr>
+          <p:cNvSpPr txBox="1">
+            <a:spLocks/>
+          </p:cNvSpPr>
+          <p:nvPr/>
+        </p:nvSpPr>
+        <p:spPr>
+          <a:xfrm>
             <a:off x="637032" y="407924"/>
             <a:ext cx="10515600" cy="1325563"/>
           </a:xfrm>
@@ -5466,149 +5612,6 @@
 </p:sld>
 </file>
 
-<file path=ppt/slides/slide19.xml><?xml version="1.0" encoding="utf-8"?>
-<p:sld xmlns:a="http://schemas.openxmlformats.org/drawingml/2006/main" xmlns:r="http://schemas.openxmlformats.org/officeDocument/2006/relationships" xmlns:p="http://schemas.openxmlformats.org/presentationml/2006/main">
-  <p:cSld>
-    <p:spTree>
-      <p:nvGrpSpPr>
-        <p:cNvPr id="1" name=""/>
-        <p:cNvGrpSpPr/>
-        <p:nvPr/>
-      </p:nvGrpSpPr>
-      <p:grpSpPr>
-        <a:xfrm>
-          <a:off x="0" y="0"/>
-          <a:ext cx="0" cy="0"/>
-          <a:chOff x="0" y="0"/>
-          <a:chExt cx="0" cy="0"/>
-        </a:xfrm>
-      </p:grpSpPr>
-      <p:sp>
-        <p:nvSpPr>
-          <p:cNvPr id="8" name="标题 1">
-            <a:extLst>
-              <a:ext uri="{FF2B5EF4-FFF2-40B4-BE49-F238E27FC236}">
-                <a16:creationId xmlns:a16="http://schemas.microsoft.com/office/drawing/2014/main" id="{CF98AFAE-CE4F-3841-907B-FCD685D69E93}"/>
-              </a:ext>
-            </a:extLst>
-          </p:cNvPr>
-          <p:cNvSpPr txBox="1">
-            <a:spLocks/>
-          </p:cNvSpPr>
-          <p:nvPr/>
-        </p:nvSpPr>
-        <p:spPr>
-          <a:xfrm>
-            <a:off x="637032" y="407924"/>
-            <a:ext cx="10515600" cy="1325563"/>
-          </a:xfrm>
-          <a:prstGeom prst="rect">
-            <a:avLst/>
-          </a:prstGeom>
-        </p:spPr>
-        <p:txBody>
-          <a:bodyPr vert="horz" lIns="91440" tIns="45720" rIns="91440" bIns="45720" rtlCol="0" anchor="ctr">
-            <a:normAutofit/>
-          </a:bodyPr>
-          <a:lstStyle>
-            <a:lvl1pPr algn="l" defTabSz="914400" rtl="0" eaLnBrk="1" latinLnBrk="0" hangingPunct="1">
-              <a:lnSpc>
-                <a:spcPct val="90000"/>
-              </a:lnSpc>
-              <a:spcBef>
-                <a:spcPct val="0"/>
-              </a:spcBef>
-              <a:buNone/>
-              <a:defRPr sz="4400" kern="1200">
-                <a:solidFill>
-                  <a:schemeClr val="tx1"/>
-                </a:solidFill>
-                <a:latin typeface="+mj-lt"/>
-                <a:ea typeface="+mj-ea"/>
-                <a:cs typeface="+mj-cs"/>
-              </a:defRPr>
-            </a:lvl1pPr>
-          </a:lstStyle>
-          <a:p>
-            <a:r>
-              <a:rPr lang="en-US" altLang="zh-CN" dirty="0"/>
-              <a:t>Experiments-</a:t>
-            </a:r>
-            <a:r>
-              <a:rPr lang="zh-CN" altLang="en-US" dirty="0"/>
-              <a:t> </a:t>
-            </a:r>
-            <a:r>
-              <a:rPr lang="en-US" altLang="zh-CN" dirty="0"/>
-              <a:t>Queries</a:t>
-            </a:r>
-            <a:r>
-              <a:rPr lang="zh-CN" altLang="en-US" dirty="0"/>
-              <a:t> </a:t>
-            </a:r>
-            <a:r>
-              <a:rPr lang="en-US" altLang="zh-CN" dirty="0"/>
-              <a:t>Without</a:t>
-            </a:r>
-            <a:r>
-              <a:rPr lang="zh-CN" altLang="en-US" dirty="0"/>
-              <a:t> </a:t>
-            </a:r>
-            <a:r>
-              <a:rPr lang="en-US" altLang="zh-CN" dirty="0"/>
-              <a:t>A</a:t>
-            </a:r>
-            <a:r>
-              <a:rPr lang="en-US" altLang="zh-CN"/>
-              <a:t>nswers</a:t>
-            </a:r>
-            <a:endParaRPr lang="zh-CN" altLang="en-US" dirty="0"/>
-          </a:p>
-        </p:txBody>
-      </p:sp>
-      <p:pic>
-        <p:nvPicPr>
-          <p:cNvPr id="2" name="图片 1">
-            <a:extLst>
-              <a:ext uri="{FF2B5EF4-FFF2-40B4-BE49-F238E27FC236}">
-                <a16:creationId xmlns:a16="http://schemas.microsoft.com/office/drawing/2014/main" id="{C92A1C2F-F4AB-A146-8506-B583D7AE134F}"/>
-              </a:ext>
-            </a:extLst>
-          </p:cNvPr>
-          <p:cNvPicPr>
-            <a:picLocks noChangeAspect="1"/>
-          </p:cNvPicPr>
-          <p:nvPr/>
-        </p:nvPicPr>
-        <p:blipFill>
-          <a:blip r:embed="rId2"/>
-          <a:stretch>
-            <a:fillRect/>
-          </a:stretch>
-        </p:blipFill>
-        <p:spPr>
-          <a:xfrm>
-            <a:off x="1435100" y="2962072"/>
-            <a:ext cx="9321800" cy="1333500"/>
-          </a:xfrm>
-          <a:prstGeom prst="rect">
-            <a:avLst/>
-          </a:prstGeom>
-        </p:spPr>
-      </p:pic>
-    </p:spTree>
-    <p:extLst>
-      <p:ext uri="{BB962C8B-B14F-4D97-AF65-F5344CB8AC3E}">
-        <p14:creationId xmlns:p14="http://schemas.microsoft.com/office/powerpoint/2010/main" val="3817529170"/>
-      </p:ext>
-    </p:extLst>
-  </p:cSld>
-  <p:clrMapOvr>
-    <a:masterClrMapping/>
-  </p:clrMapOvr>
-</p:sld>
-</file>
-
 <file path=ppt/slides/slide2.xml><?xml version="1.0" encoding="utf-8"?>
 <p:sld xmlns:a="http://schemas.openxmlformats.org/drawingml/2006/main" xmlns:r="http://schemas.openxmlformats.org/officeDocument/2006/relationships" xmlns:p="http://schemas.openxmlformats.org/presentationml/2006/main">
   <p:cSld>
@@ -5750,6 +5753,145 @@
     <p:extLst>
       <p:ext uri="{BB962C8B-B14F-4D97-AF65-F5344CB8AC3E}">
         <p14:creationId xmlns:p14="http://schemas.microsoft.com/office/powerpoint/2010/main" val="1900795100"/>
+      </p:ext>
+    </p:extLst>
+  </p:cSld>
+  <p:clrMapOvr>
+    <a:masterClrMapping/>
+  </p:clrMapOvr>
+</p:sld>
+</file>
+
+<file path=ppt/slides/slide20.xml><?xml version="1.0" encoding="utf-8"?>
+<p:sld xmlns:a="http://schemas.openxmlformats.org/drawingml/2006/main" xmlns:r="http://schemas.openxmlformats.org/officeDocument/2006/relationships" xmlns:p="http://schemas.openxmlformats.org/presentationml/2006/main">
+  <p:cSld>
+    <p:spTree>
+      <p:nvGrpSpPr>
+        <p:cNvPr id="1" name=""/>
+        <p:cNvGrpSpPr/>
+        <p:nvPr/>
+      </p:nvGrpSpPr>
+      <p:grpSpPr>
+        <a:xfrm>
+          <a:off x="0" y="0"/>
+          <a:ext cx="0" cy="0"/>
+          <a:chOff x="0" y="0"/>
+          <a:chExt cx="0" cy="0"/>
+        </a:xfrm>
+      </p:grpSpPr>
+      <p:sp>
+        <p:nvSpPr>
+          <p:cNvPr id="8" name="标题 1">
+            <a:extLst>
+              <a:ext uri="{FF2B5EF4-FFF2-40B4-BE49-F238E27FC236}">
+                <a16:creationId xmlns:a16="http://schemas.microsoft.com/office/drawing/2014/main" id="{CF98AFAE-CE4F-3841-907B-FCD685D69E93}"/>
+              </a:ext>
+            </a:extLst>
+          </p:cNvPr>
+          <p:cNvSpPr txBox="1">
+            <a:spLocks/>
+          </p:cNvSpPr>
+          <p:nvPr/>
+        </p:nvSpPr>
+        <p:spPr>
+          <a:xfrm>
+            <a:off x="637032" y="407924"/>
+            <a:ext cx="10515600" cy="1325563"/>
+          </a:xfrm>
+          <a:prstGeom prst="rect">
+            <a:avLst/>
+          </a:prstGeom>
+        </p:spPr>
+        <p:txBody>
+          <a:bodyPr vert="horz" lIns="91440" tIns="45720" rIns="91440" bIns="45720" rtlCol="0" anchor="ctr">
+            <a:normAutofit/>
+          </a:bodyPr>
+          <a:lstStyle>
+            <a:lvl1pPr algn="l" defTabSz="914400" rtl="0" eaLnBrk="1" latinLnBrk="0" hangingPunct="1">
+              <a:lnSpc>
+                <a:spcPct val="90000"/>
+              </a:lnSpc>
+              <a:spcBef>
+                <a:spcPct val="0"/>
+              </a:spcBef>
+              <a:buNone/>
+              <a:defRPr sz="4400" kern="1200">
+                <a:solidFill>
+                  <a:schemeClr val="tx1"/>
+                </a:solidFill>
+                <a:latin typeface="+mj-lt"/>
+                <a:ea typeface="+mj-ea"/>
+                <a:cs typeface="+mj-cs"/>
+              </a:defRPr>
+            </a:lvl1pPr>
+          </a:lstStyle>
+          <a:p>
+            <a:r>
+              <a:rPr lang="en-US" altLang="zh-CN" dirty="0"/>
+              <a:t>Experiments-</a:t>
+            </a:r>
+            <a:r>
+              <a:rPr lang="zh-CN" altLang="en-US" dirty="0"/>
+              <a:t> </a:t>
+            </a:r>
+            <a:r>
+              <a:rPr lang="en-US" altLang="zh-CN" dirty="0"/>
+              <a:t>Queries</a:t>
+            </a:r>
+            <a:r>
+              <a:rPr lang="zh-CN" altLang="en-US" dirty="0"/>
+              <a:t> </a:t>
+            </a:r>
+            <a:r>
+              <a:rPr lang="en-US" altLang="zh-CN" dirty="0"/>
+              <a:t>Without</a:t>
+            </a:r>
+            <a:r>
+              <a:rPr lang="zh-CN" altLang="en-US" dirty="0"/>
+              <a:t> </a:t>
+            </a:r>
+            <a:r>
+              <a:rPr lang="en-US" altLang="zh-CN" dirty="0"/>
+              <a:t>Answers</a:t>
+            </a:r>
+            <a:endParaRPr lang="zh-CN" altLang="en-US" dirty="0"/>
+          </a:p>
+        </p:txBody>
+      </p:sp>
+      <p:pic>
+        <p:nvPicPr>
+          <p:cNvPr id="2" name="图片 1">
+            <a:extLst>
+              <a:ext uri="{FF2B5EF4-FFF2-40B4-BE49-F238E27FC236}">
+                <a16:creationId xmlns:a16="http://schemas.microsoft.com/office/drawing/2014/main" id="{C92A1C2F-F4AB-A146-8506-B583D7AE134F}"/>
+              </a:ext>
+            </a:extLst>
+          </p:cNvPr>
+          <p:cNvPicPr>
+            <a:picLocks noChangeAspect="1"/>
+          </p:cNvPicPr>
+          <p:nvPr/>
+        </p:nvPicPr>
+        <p:blipFill>
+          <a:blip r:embed="rId2"/>
+          <a:stretch>
+            <a:fillRect/>
+          </a:stretch>
+        </p:blipFill>
+        <p:spPr>
+          <a:xfrm>
+            <a:off x="1435100" y="2962072"/>
+            <a:ext cx="9321800" cy="1333500"/>
+          </a:xfrm>
+          <a:prstGeom prst="rect">
+            <a:avLst/>
+          </a:prstGeom>
+        </p:spPr>
+      </p:pic>
+    </p:spTree>
+    <p:extLst>
+      <p:ext uri="{BB962C8B-B14F-4D97-AF65-F5344CB8AC3E}">
+        <p14:creationId xmlns:p14="http://schemas.microsoft.com/office/powerpoint/2010/main" val="3817529170"/>
       </p:ext>
     </p:extLst>
   </p:cSld>
